--- a/Unit 10/FLS/FLS ASSIGNMENT UNIT 10.pptx
+++ b/Unit 10/FLS/FLS ASSIGNMENT UNIT 10.pptx
@@ -234,7 +234,7 @@
           <a:p>
             <a:fld id="{28570D6A-FB49-A14C-9B03-21B3417100CD}" type="datetimeFigureOut">
               <a:rPr lang="en-US" smtClean="0"/>
-              <a:t>3/7/21</a:t>
+              <a:t>3/10/22</a:t>
             </a:fld>
             <a:endParaRPr lang="en-US" dirty="0"/>
           </a:p>
@@ -3796,7 +3796,15 @@
             </a:pPr>
             <a:r>
               <a:rPr lang="en-US" dirty="0"/>
-              <a:t>Calculate and interpret a 95% prediction interval for the the predicted mean Gross for a Budget of $200 million.</a:t>
+              <a:t>Calculate and interpret a 95% prediction interval for the </a:t>
+            </a:r>
+            <a:r>
+              <a:rPr lang="en-US"/>
+              <a:t>the predicted </a:t>
+            </a:r>
+            <a:r>
+              <a:rPr lang="en-US" dirty="0"/>
+              <a:t>Gross for a Budget of $200 million.</a:t>
             </a:r>
           </a:p>
           <a:p>
